--- a/Econ/Midterm/S12_Midterm Exam Review.pptx
+++ b/Econ/Midterm/S12_Midterm Exam Review.pptx
@@ -3633,7 +3633,7 @@
                 <a:spcPct val="100000"/>
               </a:lnSpc>
             </a:pPr>
-            <a:fld id="{7A6E2347-0CFB-4A26-80F3-3A7AD255BB92}" type="slidenum">
+            <a:fld id="{DD86F6EC-1D00-4492-8C54-96809CE3F6A1}" type="slidenum">
               <a:rPr lang="en-US">
                 <a:solidFill>
                   <a:srgbClr val="000000"/>
@@ -4290,7 +4290,7 @@
                 <a:spcPct val="100000"/>
               </a:lnSpc>
             </a:pPr>
-            <a:fld id="{06CAC93E-537C-4D30-AF2C-14A26A64CAD2}" type="slidenum">
+            <a:fld id="{9E1C2165-15BC-4660-AF16-C7AF3DBD73AC}" type="slidenum">
               <a:rPr lang="en-US">
                 <a:solidFill>
                   <a:srgbClr val="000000"/>
@@ -4562,7 +4562,7 @@
           <a:bodyPr bIns="0" lIns="0" rIns="0" tIns="0" wrap="none"/>
           <a:p>
             <a:pPr algn="r"/>
-            <a:fld id="{FEE7FB66-43CD-4FEC-B34C-1F7EDCBF09C6}" type="slidenum">
+            <a:fld id="{E049E0D9-D3A8-400E-93A4-2357A848AD5E}" type="slidenum">
               <a:rPr lang="en-US"/>
               <a:t>&lt;number&gt;</a:t>
             </a:fld>
@@ -8543,7 +8543,7 @@
                 </a:solidFill>
                 <a:latin typeface="Constantia"/>
               </a:rPr>
-              <a:t>How does the idea of routinization of innovation conflict with the Schumpertian view?</a:t>
+              <a:t>How does the idea of routinization of innovation conflict with the Schumperti`an view?</a:t>
             </a:r>
             <a:endParaRPr/>
           </a:p>
@@ -8831,7 +8831,7 @@
                                         <p:tgtEl>
                                           <p:spTgt spid="136">
                                             <p:txEl>
-                                              <p:pRg end="289" st="203"/>
+                                              <p:pRg end="290" st="203"/>
                                             </p:txEl>
                                           </p:spTgt>
                                         </p:tgtEl>
@@ -8880,7 +8880,7 @@
                                         <p:tgtEl>
                                           <p:spTgt spid="136">
                                             <p:txEl>
-                                              <p:pRg end="318" st="289"/>
+                                              <p:pRg end="319" st="290"/>
                                             </p:txEl>
                                           </p:spTgt>
                                         </p:tgtEl>
@@ -8929,7 +8929,7 @@
                                         <p:tgtEl>
                                           <p:spTgt spid="136">
                                             <p:txEl>
-                                              <p:pRg end="359" st="318"/>
+                                              <p:pRg end="360" st="319"/>
                                             </p:txEl>
                                           </p:spTgt>
                                         </p:tgtEl>
